--- a/Slides/Unit 1/GE8151-U1-2-Building Blocks of Algorithms.pptx
+++ b/Slides/Unit 1/GE8151-U1-2-Building Blocks of Algorithms.pptx
@@ -5,12 +5,15 @@
     <p:sldMasterId id="2147483648" r:id="rId1"/>
   </p:sldMasterIdLst>
   <p:notesMasterIdLst>
-    <p:notesMasterId r:id="rId5"/>
+    <p:notesMasterId r:id="rId8"/>
   </p:notesMasterIdLst>
   <p:sldIdLst>
     <p:sldId id="256" r:id="rId2"/>
     <p:sldId id="273" r:id="rId3"/>
-    <p:sldId id="272" r:id="rId4"/>
+    <p:sldId id="274" r:id="rId4"/>
+    <p:sldId id="275" r:id="rId5"/>
+    <p:sldId id="276" r:id="rId6"/>
+    <p:sldId id="272" r:id="rId7"/>
   </p:sldIdLst>
   <p:sldSz cx="9144000" cy="6858000" type="screen4x3"/>
   <p:notesSz cx="6858000" cy="9144000"/>
@@ -3803,6 +3806,375 @@
 </file>
 
 <file path=ppt/slides/slide3.xml><?xml version="1.0" encoding="utf-8"?>
+<p:sld xmlns:a="http://schemas.openxmlformats.org/drawingml/2006/main" xmlns:r="http://schemas.openxmlformats.org/officeDocument/2006/relationships" xmlns:p="http://schemas.openxmlformats.org/presentationml/2006/main">
+  <p:cSld>
+    <p:spTree>
+      <p:nvGrpSpPr>
+        <p:cNvPr id="1" name=""/>
+        <p:cNvGrpSpPr/>
+        <p:nvPr/>
+      </p:nvGrpSpPr>
+      <p:grpSpPr>
+        <a:xfrm>
+          <a:off x="0" y="0"/>
+          <a:ext cx="0" cy="0"/>
+          <a:chOff x="0" y="0"/>
+          <a:chExt cx="0" cy="0"/>
+        </a:xfrm>
+      </p:grpSpPr>
+      <p:sp>
+        <p:nvSpPr>
+          <p:cNvPr id="2" name="Title 1"/>
+          <p:cNvSpPr>
+            <a:spLocks noGrp="1"/>
+          </p:cNvSpPr>
+          <p:nvPr>
+            <p:ph type="title"/>
+          </p:nvPr>
+        </p:nvSpPr>
+        <p:spPr/>
+        <p:txBody>
+          <a:bodyPr/>
+          <a:lstStyle/>
+          <a:p>
+            <a:r>
+              <a:rPr lang="en-IN" dirty="0" smtClean="0"/>
+              <a:t>Instructions/Statements</a:t>
+            </a:r>
+            <a:endParaRPr lang="en-US" dirty="0"/>
+          </a:p>
+        </p:txBody>
+      </p:sp>
+      <p:sp>
+        <p:nvSpPr>
+          <p:cNvPr id="3" name="Content Placeholder 2"/>
+          <p:cNvSpPr>
+            <a:spLocks noGrp="1"/>
+          </p:cNvSpPr>
+          <p:nvPr>
+            <p:ph idx="1"/>
+          </p:nvPr>
+        </p:nvSpPr>
+        <p:spPr/>
+        <p:txBody>
+          <a:bodyPr/>
+          <a:lstStyle/>
+          <a:p>
+            <a:r>
+              <a:rPr lang="en-IN" dirty="0" smtClean="0"/>
+              <a:t>It is heart and sole for algorithms.</a:t>
+            </a:r>
+          </a:p>
+          <a:p>
+            <a:r>
+              <a:rPr lang="en-IN" dirty="0" smtClean="0"/>
+              <a:t>It is a smallest </a:t>
+            </a:r>
+            <a:r>
+              <a:rPr lang="en-IN" b="1" dirty="0" smtClean="0"/>
+              <a:t>stand alone</a:t>
+            </a:r>
+            <a:r>
+              <a:rPr lang="en-IN" dirty="0" smtClean="0"/>
+              <a:t> entity.</a:t>
+            </a:r>
+          </a:p>
+          <a:p>
+            <a:r>
+              <a:rPr lang="en-IN" dirty="0" smtClean="0"/>
+              <a:t>For example</a:t>
+            </a:r>
+          </a:p>
+          <a:p>
+            <a:pPr lvl="1"/>
+            <a:r>
+              <a:rPr lang="en-IN" dirty="0" smtClean="0"/>
+              <a:t> </a:t>
+            </a:r>
+            <a:r>
+              <a:rPr lang="en-IN" dirty="0" smtClean="0"/>
+              <a:t>C = A + B [a statement performs addition]</a:t>
+            </a:r>
+          </a:p>
+          <a:p>
+            <a:pPr lvl="1"/>
+            <a:r>
+              <a:rPr lang="en-IN" dirty="0" smtClean="0"/>
+              <a:t>We cannot divide more into simple elements.</a:t>
+            </a:r>
+          </a:p>
+          <a:p>
+            <a:pPr lvl="1"/>
+            <a:r>
+              <a:rPr lang="en-IN" dirty="0" smtClean="0"/>
+              <a:t>All algorithms eventually broken into statements.</a:t>
+            </a:r>
+            <a:endParaRPr lang="en-US" dirty="0"/>
+          </a:p>
+        </p:txBody>
+      </p:sp>
+    </p:spTree>
+  </p:cSld>
+  <p:clrMapOvr>
+    <a:masterClrMapping/>
+  </p:clrMapOvr>
+</p:sld>
+</file>
+
+<file path=ppt/slides/slide4.xml><?xml version="1.0" encoding="utf-8"?>
+<p:sld xmlns:a="http://schemas.openxmlformats.org/drawingml/2006/main" xmlns:r="http://schemas.openxmlformats.org/officeDocument/2006/relationships" xmlns:p="http://schemas.openxmlformats.org/presentationml/2006/main">
+  <p:cSld>
+    <p:spTree>
+      <p:nvGrpSpPr>
+        <p:cNvPr id="1" name=""/>
+        <p:cNvGrpSpPr/>
+        <p:nvPr/>
+      </p:nvGrpSpPr>
+      <p:grpSpPr>
+        <a:xfrm>
+          <a:off x="0" y="0"/>
+          <a:ext cx="0" cy="0"/>
+          <a:chOff x="0" y="0"/>
+          <a:chExt cx="0" cy="0"/>
+        </a:xfrm>
+      </p:grpSpPr>
+      <p:sp>
+        <p:nvSpPr>
+          <p:cNvPr id="2" name="Title 1"/>
+          <p:cNvSpPr>
+            <a:spLocks noGrp="1"/>
+          </p:cNvSpPr>
+          <p:nvPr>
+            <p:ph type="title"/>
+          </p:nvPr>
+        </p:nvSpPr>
+        <p:spPr/>
+        <p:txBody>
+          <a:bodyPr/>
+          <a:lstStyle/>
+          <a:p>
+            <a:r>
+              <a:rPr lang="en-IN" dirty="0" smtClean="0"/>
+              <a:t>Sequence</a:t>
+            </a:r>
+            <a:endParaRPr lang="en-US" dirty="0"/>
+          </a:p>
+        </p:txBody>
+      </p:sp>
+      <p:sp>
+        <p:nvSpPr>
+          <p:cNvPr id="3" name="Content Placeholder 2"/>
+          <p:cNvSpPr>
+            <a:spLocks noGrp="1"/>
+          </p:cNvSpPr>
+          <p:nvPr>
+            <p:ph idx="1"/>
+          </p:nvPr>
+        </p:nvSpPr>
+        <p:spPr/>
+        <p:txBody>
+          <a:bodyPr>
+            <a:normAutofit lnSpcReduction="10000"/>
+          </a:bodyPr>
+          <a:lstStyle/>
+          <a:p>
+            <a:r>
+              <a:rPr lang="en-IN" dirty="0" smtClean="0"/>
+              <a:t>It means that steps of an algorithm are carried out in sequential manner, where each step must be executed exactly once.</a:t>
+            </a:r>
+          </a:p>
+          <a:p>
+            <a:r>
+              <a:rPr lang="en-IN" dirty="0" smtClean="0"/>
+              <a:t>Proper ordering of statements lead us to desired results.</a:t>
+            </a:r>
+          </a:p>
+          <a:p>
+            <a:r>
+              <a:rPr lang="en-IN" dirty="0" err="1" smtClean="0"/>
+              <a:t>Eg</a:t>
+            </a:r>
+            <a:r>
+              <a:rPr lang="en-IN" dirty="0" smtClean="0"/>
+              <a:t>:</a:t>
+            </a:r>
+          </a:p>
+          <a:p>
+            <a:pPr lvl="1"/>
+            <a:r>
+              <a:rPr lang="en-IN" dirty="0" smtClean="0"/>
+              <a:t>Step1: Read A and B</a:t>
+            </a:r>
+          </a:p>
+          <a:p>
+            <a:pPr lvl="1"/>
+            <a:r>
+              <a:rPr lang="en-IN" dirty="0" smtClean="0"/>
+              <a:t>Step2: Perform C = A + B;</a:t>
+            </a:r>
+          </a:p>
+          <a:p>
+            <a:pPr lvl="1"/>
+            <a:r>
+              <a:rPr lang="en-IN" smtClean="0"/>
+              <a:t>Step3: Print </a:t>
+            </a:r>
+            <a:r>
+              <a:rPr lang="en-IN" dirty="0" smtClean="0"/>
+              <a:t>C</a:t>
+            </a:r>
+            <a:endParaRPr lang="en-US" dirty="0"/>
+          </a:p>
+        </p:txBody>
+      </p:sp>
+    </p:spTree>
+  </p:cSld>
+  <p:clrMapOvr>
+    <a:masterClrMapping/>
+  </p:clrMapOvr>
+</p:sld>
+</file>
+
+<file path=ppt/slides/slide5.xml><?xml version="1.0" encoding="utf-8"?>
+<p:sld xmlns:a="http://schemas.openxmlformats.org/drawingml/2006/main" xmlns:r="http://schemas.openxmlformats.org/officeDocument/2006/relationships" xmlns:p="http://schemas.openxmlformats.org/presentationml/2006/main">
+  <p:cSld>
+    <p:spTree>
+      <p:nvGrpSpPr>
+        <p:cNvPr id="1" name=""/>
+        <p:cNvGrpSpPr/>
+        <p:nvPr/>
+      </p:nvGrpSpPr>
+      <p:grpSpPr>
+        <a:xfrm>
+          <a:off x="0" y="0"/>
+          <a:ext cx="0" cy="0"/>
+          <a:chOff x="0" y="0"/>
+          <a:chExt cx="0" cy="0"/>
+        </a:xfrm>
+      </p:grpSpPr>
+      <p:sp>
+        <p:nvSpPr>
+          <p:cNvPr id="2" name="Title 1"/>
+          <p:cNvSpPr>
+            <a:spLocks noGrp="1"/>
+          </p:cNvSpPr>
+          <p:nvPr>
+            <p:ph type="title"/>
+          </p:nvPr>
+        </p:nvSpPr>
+        <p:spPr/>
+        <p:txBody>
+          <a:bodyPr/>
+          <a:lstStyle/>
+          <a:p>
+            <a:r>
+              <a:rPr lang="en-IN" dirty="0" smtClean="0"/>
+              <a:t>Variables</a:t>
+            </a:r>
+            <a:endParaRPr lang="en-US" dirty="0"/>
+          </a:p>
+        </p:txBody>
+      </p:sp>
+      <p:sp>
+        <p:nvSpPr>
+          <p:cNvPr id="3" name="Content Placeholder 2"/>
+          <p:cNvSpPr>
+            <a:spLocks noGrp="1"/>
+          </p:cNvSpPr>
+          <p:nvPr>
+            <p:ph idx="1"/>
+          </p:nvPr>
+        </p:nvSpPr>
+        <p:spPr/>
+        <p:txBody>
+          <a:bodyPr>
+            <a:normAutofit fontScale="92500" lnSpcReduction="20000"/>
+          </a:bodyPr>
+          <a:lstStyle/>
+          <a:p>
+            <a:r>
+              <a:rPr lang="en-IN" dirty="0" smtClean="0"/>
+              <a:t>It is place to store the temporary values while algorithm is executing.</a:t>
+            </a:r>
+          </a:p>
+          <a:p>
+            <a:r>
+              <a:rPr lang="en-IN" dirty="0" smtClean="0"/>
+              <a:t>It helps to algorithm function correctly and effectively.</a:t>
+            </a:r>
+          </a:p>
+          <a:p>
+            <a:r>
+              <a:rPr lang="en-IN" dirty="0" smtClean="0"/>
+              <a:t>Variables values can vary as the algorithm progress.</a:t>
+            </a:r>
+          </a:p>
+          <a:p>
+            <a:r>
+              <a:rPr lang="en-IN" dirty="0" err="1" smtClean="0"/>
+              <a:t>Eg</a:t>
+            </a:r>
+            <a:r>
+              <a:rPr lang="en-IN" dirty="0" smtClean="0"/>
+              <a:t>:</a:t>
+            </a:r>
+          </a:p>
+          <a:p>
+            <a:pPr lvl="1"/>
+            <a:r>
+              <a:rPr lang="en-IN" dirty="0" smtClean="0"/>
+              <a:t>Step1: Assign A with value 10</a:t>
+            </a:r>
+          </a:p>
+          <a:p>
+            <a:pPr lvl="1"/>
+            <a:r>
+              <a:rPr lang="en-IN" dirty="0" smtClean="0"/>
+              <a:t>Step2: </a:t>
+            </a:r>
+            <a:r>
+              <a:rPr lang="en-IN" dirty="0" smtClean="0"/>
+              <a:t>Assign </a:t>
+            </a:r>
+            <a:r>
+              <a:rPr lang="en-IN" dirty="0" smtClean="0"/>
+              <a:t>B </a:t>
+            </a:r>
+            <a:r>
+              <a:rPr lang="en-IN" dirty="0" smtClean="0"/>
+              <a:t>with </a:t>
+            </a:r>
+            <a:r>
+              <a:rPr lang="en-IN" dirty="0" smtClean="0"/>
+              <a:t>value 20</a:t>
+            </a:r>
+          </a:p>
+          <a:p>
+            <a:pPr lvl="1"/>
+            <a:r>
+              <a:rPr lang="en-IN" dirty="0" smtClean="0"/>
+              <a:t>Step3: Compute A + B and store in A</a:t>
+            </a:r>
+          </a:p>
+          <a:p>
+            <a:pPr lvl="1"/>
+            <a:r>
+              <a:rPr lang="en-IN" dirty="0" smtClean="0"/>
+              <a:t>Print A </a:t>
+            </a:r>
+            <a:endParaRPr lang="en-US" dirty="0"/>
+          </a:p>
+        </p:txBody>
+      </p:sp>
+    </p:spTree>
+  </p:cSld>
+  <p:clrMapOvr>
+    <a:masterClrMapping/>
+  </p:clrMapOvr>
+</p:sld>
+</file>
+
+<file path=ppt/slides/slide6.xml><?xml version="1.0" encoding="utf-8"?>
 <p:sld xmlns:a="http://schemas.openxmlformats.org/drawingml/2006/main" xmlns:r="http://schemas.openxmlformats.org/officeDocument/2006/relationships" xmlns:p="http://schemas.openxmlformats.org/presentationml/2006/main">
   <p:cSld>
     <p:spTree>

--- a/Slides/Unit 1/GE8151-U1-2-Building Blocks of Algorithms.pptx
+++ b/Slides/Unit 1/GE8151-U1-2-Building Blocks of Algorithms.pptx
@@ -5,7 +5,7 @@
     <p:sldMasterId id="2147483648" r:id="rId1"/>
   </p:sldMasterIdLst>
   <p:notesMasterIdLst>
-    <p:notesMasterId r:id="rId8"/>
+    <p:notesMasterId r:id="rId15"/>
   </p:notesMasterIdLst>
   <p:sldIdLst>
     <p:sldId id="256" r:id="rId2"/>
@@ -13,7 +13,14 @@
     <p:sldId id="274" r:id="rId4"/>
     <p:sldId id="275" r:id="rId5"/>
     <p:sldId id="276" r:id="rId6"/>
-    <p:sldId id="272" r:id="rId7"/>
+    <p:sldId id="277" r:id="rId7"/>
+    <p:sldId id="279" r:id="rId8"/>
+    <p:sldId id="281" r:id="rId9"/>
+    <p:sldId id="280" r:id="rId10"/>
+    <p:sldId id="278" r:id="rId11"/>
+    <p:sldId id="282" r:id="rId12"/>
+    <p:sldId id="283" r:id="rId13"/>
+    <p:sldId id="272" r:id="rId14"/>
   </p:sldIdLst>
   <p:sldSz cx="9144000" cy="6858000" type="screen4x3"/>
   <p:notesSz cx="6858000" cy="9144000"/>
@@ -198,7 +205,7 @@
             <a:fld id="{9515075B-F3F0-4441-A1BD-B7B515B708FF}" type="datetimeFigureOut">
               <a:rPr lang="en-US" smtClean="0"/>
               <a:pPr/>
-              <a:t>9/3/2018</a:t>
+              <a:t>9/4/2018</a:t>
             </a:fld>
             <a:endParaRPr lang="en-US"/>
           </a:p>
@@ -665,7 +672,7 @@
             <a:fld id="{6E658DF8-B8C0-4C7F-85EB-B53A2DDD44A9}" type="datetimeFigureOut">
               <a:rPr lang="en-US" smtClean="0"/>
               <a:pPr/>
-              <a:t>9/3/2018</a:t>
+              <a:t>9/4/2018</a:t>
             </a:fld>
             <a:endParaRPr lang="en-US"/>
           </a:p>
@@ -832,7 +839,7 @@
             <a:fld id="{6E658DF8-B8C0-4C7F-85EB-B53A2DDD44A9}" type="datetimeFigureOut">
               <a:rPr lang="en-US" smtClean="0"/>
               <a:pPr/>
-              <a:t>9/3/2018</a:t>
+              <a:t>9/4/2018</a:t>
             </a:fld>
             <a:endParaRPr lang="en-US"/>
           </a:p>
@@ -1009,7 +1016,7 @@
             <a:fld id="{6E658DF8-B8C0-4C7F-85EB-B53A2DDD44A9}" type="datetimeFigureOut">
               <a:rPr lang="en-US" smtClean="0"/>
               <a:pPr/>
-              <a:t>9/3/2018</a:t>
+              <a:t>9/4/2018</a:t>
             </a:fld>
             <a:endParaRPr lang="en-US"/>
           </a:p>
@@ -1208,7 +1215,7 @@
             <a:fld id="{6E658DF8-B8C0-4C7F-85EB-B53A2DDD44A9}" type="datetimeFigureOut">
               <a:rPr lang="en-US" smtClean="0"/>
               <a:pPr/>
-              <a:t>9/3/2018</a:t>
+              <a:t>9/4/2018</a:t>
             </a:fld>
             <a:endParaRPr lang="en-US"/>
           </a:p>
@@ -1451,7 +1458,7 @@
             <a:fld id="{6E658DF8-B8C0-4C7F-85EB-B53A2DDD44A9}" type="datetimeFigureOut">
               <a:rPr lang="en-US" smtClean="0"/>
               <a:pPr/>
-              <a:t>9/3/2018</a:t>
+              <a:t>9/4/2018</a:t>
             </a:fld>
             <a:endParaRPr lang="en-US"/>
           </a:p>
@@ -1736,7 +1743,7 @@
             <a:fld id="{6E658DF8-B8C0-4C7F-85EB-B53A2DDD44A9}" type="datetimeFigureOut">
               <a:rPr lang="en-US" smtClean="0"/>
               <a:pPr/>
-              <a:t>9/3/2018</a:t>
+              <a:t>9/4/2018</a:t>
             </a:fld>
             <a:endParaRPr lang="en-US"/>
           </a:p>
@@ -2155,7 +2162,7 @@
             <a:fld id="{6E658DF8-B8C0-4C7F-85EB-B53A2DDD44A9}" type="datetimeFigureOut">
               <a:rPr lang="en-US" smtClean="0"/>
               <a:pPr/>
-              <a:t>9/3/2018</a:t>
+              <a:t>9/4/2018</a:t>
             </a:fld>
             <a:endParaRPr lang="en-US"/>
           </a:p>
@@ -2270,7 +2277,7 @@
             <a:fld id="{6E658DF8-B8C0-4C7F-85EB-B53A2DDD44A9}" type="datetimeFigureOut">
               <a:rPr lang="en-US" smtClean="0"/>
               <a:pPr/>
-              <a:t>9/3/2018</a:t>
+              <a:t>9/4/2018</a:t>
             </a:fld>
             <a:endParaRPr lang="en-US"/>
           </a:p>
@@ -2362,7 +2369,7 @@
             <a:fld id="{6E658DF8-B8C0-4C7F-85EB-B53A2DDD44A9}" type="datetimeFigureOut">
               <a:rPr lang="en-US" smtClean="0"/>
               <a:pPr/>
-              <a:t>9/3/2018</a:t>
+              <a:t>9/4/2018</a:t>
             </a:fld>
             <a:endParaRPr lang="en-US"/>
           </a:p>
@@ -2636,7 +2643,7 @@
             <a:fld id="{6E658DF8-B8C0-4C7F-85EB-B53A2DDD44A9}" type="datetimeFigureOut">
               <a:rPr lang="en-US" smtClean="0"/>
               <a:pPr/>
-              <a:t>9/3/2018</a:t>
+              <a:t>9/4/2018</a:t>
             </a:fld>
             <a:endParaRPr lang="en-US"/>
           </a:p>
@@ -2890,7 +2897,7 @@
             <a:fld id="{6E658DF8-B8C0-4C7F-85EB-B53A2DDD44A9}" type="datetimeFigureOut">
               <a:rPr lang="en-US" smtClean="0"/>
               <a:pPr/>
-              <a:t>9/3/2018</a:t>
+              <a:t>9/4/2018</a:t>
             </a:fld>
             <a:endParaRPr lang="en-US"/>
           </a:p>
@@ -3112,7 +3119,7 @@
             <a:fld id="{6E658DF8-B8C0-4C7F-85EB-B53A2DDD44A9}" type="datetimeFigureOut">
               <a:rPr lang="en-US" smtClean="0"/>
               <a:pPr/>
-              <a:t>9/3/2018</a:t>
+              <a:t>9/4/2018</a:t>
             </a:fld>
             <a:endParaRPr lang="en-US"/>
           </a:p>
@@ -3496,7 +3503,7 @@
         <p:spPr>
           <a:xfrm>
             <a:off x="685800" y="609600"/>
-            <a:ext cx="7772400" cy="1752600"/>
+            <a:ext cx="7772400" cy="2105020"/>
           </a:xfrm>
         </p:spPr>
         <p:txBody>
@@ -3668,6 +3675,666 @@
               <a:solidFill>
                 <a:schemeClr val="tx1"/>
               </a:solidFill>
+              <a:latin typeface="Cambria" pitchFamily="18" charset="0"/>
+            </a:endParaRPr>
+          </a:p>
+        </p:txBody>
+      </p:sp>
+    </p:spTree>
+  </p:cSld>
+  <p:clrMapOvr>
+    <a:masterClrMapping/>
+  </p:clrMapOvr>
+  <p:timing>
+    <p:tnLst>
+      <p:par>
+        <p:cTn id="1" dur="indefinite" restart="never" nodeType="tmRoot"/>
+      </p:par>
+    </p:tnLst>
+  </p:timing>
+</p:sld>
+</file>
+
+<file path=ppt/slides/slide10.xml><?xml version="1.0" encoding="utf-8"?>
+<p:sld xmlns:a="http://schemas.openxmlformats.org/drawingml/2006/main" xmlns:r="http://schemas.openxmlformats.org/officeDocument/2006/relationships" xmlns:p="http://schemas.openxmlformats.org/presentationml/2006/main">
+  <p:cSld>
+    <p:spTree>
+      <p:nvGrpSpPr>
+        <p:cNvPr id="1" name=""/>
+        <p:cNvGrpSpPr/>
+        <p:nvPr/>
+      </p:nvGrpSpPr>
+      <p:grpSpPr>
+        <a:xfrm>
+          <a:off x="0" y="0"/>
+          <a:ext cx="0" cy="0"/>
+          <a:chOff x="0" y="0"/>
+          <a:chExt cx="0" cy="0"/>
+        </a:xfrm>
+      </p:grpSpPr>
+      <p:sp>
+        <p:nvSpPr>
+          <p:cNvPr id="2" name="Title 1"/>
+          <p:cNvSpPr>
+            <a:spLocks noGrp="1"/>
+          </p:cNvSpPr>
+          <p:nvPr>
+            <p:ph type="title"/>
+          </p:nvPr>
+        </p:nvSpPr>
+        <p:spPr/>
+        <p:txBody>
+          <a:bodyPr/>
+          <a:lstStyle/>
+          <a:p>
+            <a:r>
+              <a:rPr lang="en-IN" dirty="0" smtClean="0"/>
+              <a:t>Control Flow</a:t>
+            </a:r>
+            <a:endParaRPr lang="en-US" dirty="0"/>
+          </a:p>
+        </p:txBody>
+      </p:sp>
+      <p:sp>
+        <p:nvSpPr>
+          <p:cNvPr id="3" name="Content Placeholder 2"/>
+          <p:cNvSpPr>
+            <a:spLocks noGrp="1"/>
+          </p:cNvSpPr>
+          <p:nvPr>
+            <p:ph idx="1"/>
+          </p:nvPr>
+        </p:nvSpPr>
+        <p:spPr/>
+        <p:txBody>
+          <a:bodyPr/>
+          <a:lstStyle/>
+          <a:p>
+            <a:r>
+              <a:rPr lang="en-IN" dirty="0" smtClean="0"/>
+              <a:t>It is also known as flow control.</a:t>
+            </a:r>
+          </a:p>
+          <a:p>
+            <a:r>
+              <a:rPr lang="en-IN" dirty="0" smtClean="0"/>
+              <a:t>It is used to decide to run a block of statements</a:t>
+            </a:r>
+          </a:p>
+          <a:p>
+            <a:pPr lvl="1"/>
+            <a:r>
+              <a:rPr lang="en-IN" dirty="0" smtClean="0"/>
+              <a:t>One Time</a:t>
+            </a:r>
+          </a:p>
+          <a:p>
+            <a:pPr lvl="1"/>
+            <a:r>
+              <a:rPr lang="en-IN" dirty="0" smtClean="0"/>
+              <a:t>N Times </a:t>
+            </a:r>
+          </a:p>
+          <a:p>
+            <a:pPr lvl="1"/>
+            <a:r>
+              <a:rPr lang="en-IN" dirty="0" smtClean="0"/>
+              <a:t>Zero Time</a:t>
+            </a:r>
+          </a:p>
+          <a:p>
+            <a:pPr lvl="1">
+              <a:buNone/>
+            </a:pPr>
+            <a:r>
+              <a:rPr lang="en-IN" dirty="0" smtClean="0"/>
+              <a:t>based on valuation of some conditions.</a:t>
+            </a:r>
+            <a:endParaRPr lang="en-US" dirty="0"/>
+          </a:p>
+        </p:txBody>
+      </p:sp>
+    </p:spTree>
+  </p:cSld>
+  <p:clrMapOvr>
+    <a:masterClrMapping/>
+  </p:clrMapOvr>
+</p:sld>
+</file>
+
+<file path=ppt/slides/slide11.xml><?xml version="1.0" encoding="utf-8"?>
+<p:sld xmlns:a="http://schemas.openxmlformats.org/drawingml/2006/main" xmlns:r="http://schemas.openxmlformats.org/officeDocument/2006/relationships" xmlns:p="http://schemas.openxmlformats.org/presentationml/2006/main">
+  <p:cSld>
+    <p:spTree>
+      <p:nvGrpSpPr>
+        <p:cNvPr id="1" name=""/>
+        <p:cNvGrpSpPr/>
+        <p:nvPr/>
+      </p:nvGrpSpPr>
+      <p:grpSpPr>
+        <a:xfrm>
+          <a:off x="0" y="0"/>
+          <a:ext cx="0" cy="0"/>
+          <a:chOff x="0" y="0"/>
+          <a:chExt cx="0" cy="0"/>
+        </a:xfrm>
+      </p:grpSpPr>
+      <p:sp>
+        <p:nvSpPr>
+          <p:cNvPr id="2" name="Title 1"/>
+          <p:cNvSpPr>
+            <a:spLocks noGrp="1"/>
+          </p:cNvSpPr>
+          <p:nvPr>
+            <p:ph type="title"/>
+          </p:nvPr>
+        </p:nvSpPr>
+        <p:spPr/>
+        <p:txBody>
+          <a:bodyPr/>
+          <a:lstStyle/>
+          <a:p>
+            <a:r>
+              <a:rPr lang="en-IN" dirty="0" smtClean="0"/>
+              <a:t>Types of Control Flow Statements</a:t>
+            </a:r>
+            <a:endParaRPr lang="en-US" dirty="0"/>
+          </a:p>
+        </p:txBody>
+      </p:sp>
+      <p:sp>
+        <p:nvSpPr>
+          <p:cNvPr id="3" name="Content Placeholder 2"/>
+          <p:cNvSpPr>
+            <a:spLocks noGrp="1"/>
+          </p:cNvSpPr>
+          <p:nvPr>
+            <p:ph idx="1"/>
+          </p:nvPr>
+        </p:nvSpPr>
+        <p:spPr/>
+        <p:txBody>
+          <a:bodyPr/>
+          <a:lstStyle/>
+          <a:p>
+            <a:r>
+              <a:rPr lang="en-IN" dirty="0" smtClean="0"/>
+              <a:t>Unconditional Branch or Jump</a:t>
+            </a:r>
+          </a:p>
+          <a:p>
+            <a:r>
+              <a:rPr lang="en-IN" dirty="0" smtClean="0"/>
+              <a:t>Conditional Branch</a:t>
+            </a:r>
+          </a:p>
+          <a:p>
+            <a:r>
+              <a:rPr lang="en-IN" dirty="0" smtClean="0"/>
+              <a:t>Looping</a:t>
+            </a:r>
+          </a:p>
+          <a:p>
+            <a:r>
+              <a:rPr lang="en-IN" dirty="0" smtClean="0"/>
+              <a:t>Subroutines [Functions]</a:t>
+            </a:r>
+          </a:p>
+          <a:p>
+            <a:r>
+              <a:rPr lang="en-IN" dirty="0" smtClean="0"/>
+              <a:t>Stop or halt the program execution.</a:t>
+            </a:r>
+          </a:p>
+        </p:txBody>
+      </p:sp>
+    </p:spTree>
+  </p:cSld>
+  <p:clrMapOvr>
+    <a:masterClrMapping/>
+  </p:clrMapOvr>
+</p:sld>
+</file>
+
+<file path=ppt/slides/slide12.xml><?xml version="1.0" encoding="utf-8"?>
+<p:sld xmlns:a="http://schemas.openxmlformats.org/drawingml/2006/main" xmlns:r="http://schemas.openxmlformats.org/officeDocument/2006/relationships" xmlns:p="http://schemas.openxmlformats.org/presentationml/2006/main">
+  <p:cSld>
+    <p:spTree>
+      <p:nvGrpSpPr>
+        <p:cNvPr id="1" name=""/>
+        <p:cNvGrpSpPr/>
+        <p:nvPr/>
+      </p:nvGrpSpPr>
+      <p:grpSpPr>
+        <a:xfrm>
+          <a:off x="0" y="0"/>
+          <a:ext cx="0" cy="0"/>
+          <a:chOff x="0" y="0"/>
+          <a:chExt cx="0" cy="0"/>
+        </a:xfrm>
+      </p:grpSpPr>
+      <p:sp>
+        <p:nvSpPr>
+          <p:cNvPr id="2" name="Title 1"/>
+          <p:cNvSpPr>
+            <a:spLocks noGrp="1"/>
+          </p:cNvSpPr>
+          <p:nvPr>
+            <p:ph type="title"/>
+          </p:nvPr>
+        </p:nvSpPr>
+        <p:spPr/>
+        <p:txBody>
+          <a:bodyPr/>
+          <a:lstStyle/>
+          <a:p>
+            <a:r>
+              <a:rPr lang="en-IN" dirty="0" smtClean="0"/>
+              <a:t>Functions</a:t>
+            </a:r>
+            <a:endParaRPr lang="en-US" dirty="0"/>
+          </a:p>
+        </p:txBody>
+      </p:sp>
+      <p:sp>
+        <p:nvSpPr>
+          <p:cNvPr id="3" name="Content Placeholder 2"/>
+          <p:cNvSpPr>
+            <a:spLocks noGrp="1"/>
+          </p:cNvSpPr>
+          <p:nvPr>
+            <p:ph idx="1"/>
+          </p:nvPr>
+        </p:nvSpPr>
+        <p:spPr/>
+        <p:txBody>
+          <a:bodyPr/>
+          <a:lstStyle/>
+          <a:p>
+            <a:r>
+              <a:rPr lang="en-IN" dirty="0" smtClean="0"/>
+              <a:t>It is also known as sub set of an algorithm or block of instructions.</a:t>
+            </a:r>
+          </a:p>
+          <a:p>
+            <a:r>
+              <a:rPr lang="en-IN" dirty="0" smtClean="0"/>
+              <a:t>It can be called when ever needed.</a:t>
+            </a:r>
+          </a:p>
+          <a:p>
+            <a:r>
+              <a:rPr lang="en-IN" dirty="0" smtClean="0"/>
+              <a:t>It gives the reusability of instructions set and reduces the size of an algorithms. </a:t>
+            </a:r>
+            <a:endParaRPr lang="en-US" dirty="0"/>
+          </a:p>
+        </p:txBody>
+      </p:sp>
+    </p:spTree>
+  </p:cSld>
+  <p:clrMapOvr>
+    <a:masterClrMapping/>
+  </p:clrMapOvr>
+</p:sld>
+</file>
+
+<file path=ppt/slides/slide13.xml><?xml version="1.0" encoding="utf-8"?>
+<p:sld xmlns:a="http://schemas.openxmlformats.org/drawingml/2006/main" xmlns:r="http://schemas.openxmlformats.org/officeDocument/2006/relationships" xmlns:p="http://schemas.openxmlformats.org/presentationml/2006/main">
+  <p:cSld>
+    <p:spTree>
+      <p:nvGrpSpPr>
+        <p:cNvPr id="1" name=""/>
+        <p:cNvGrpSpPr/>
+        <p:nvPr/>
+      </p:nvGrpSpPr>
+      <p:grpSpPr>
+        <a:xfrm>
+          <a:off x="0" y="0"/>
+          <a:ext cx="0" cy="0"/>
+          <a:chOff x="0" y="0"/>
+          <a:chExt cx="0" cy="0"/>
+        </a:xfrm>
+      </p:grpSpPr>
+      <p:sp>
+        <p:nvSpPr>
+          <p:cNvPr id="2" name="Title 1"/>
+          <p:cNvSpPr>
+            <a:spLocks noGrp="1"/>
+          </p:cNvSpPr>
+          <p:nvPr>
+            <p:ph type="title"/>
+          </p:nvPr>
+        </p:nvSpPr>
+        <p:spPr>
+          <a:xfrm>
+            <a:off x="457200" y="1981200"/>
+            <a:ext cx="8229600" cy="1143000"/>
+          </a:xfrm>
+        </p:spPr>
+        <p:txBody>
+          <a:bodyPr/>
+          <a:lstStyle/>
+          <a:p>
+            <a:r>
+              <a:rPr lang="en-US" dirty="0" smtClean="0"/>
+              <a:t>Thank You</a:t>
+            </a:r>
+            <a:endParaRPr lang="en-US" dirty="0"/>
+          </a:p>
+        </p:txBody>
+      </p:sp>
+      <p:sp>
+        <p:nvSpPr>
+          <p:cNvPr id="4" name="Subtitle 2"/>
+          <p:cNvSpPr txBox="1">
+            <a:spLocks/>
+          </p:cNvSpPr>
+          <p:nvPr/>
+        </p:nvSpPr>
+        <p:spPr>
+          <a:xfrm>
+            <a:off x="4038600" y="4191000"/>
+            <a:ext cx="4191000" cy="1752600"/>
+          </a:xfrm>
+          <a:prstGeom prst="rect">
+            <a:avLst/>
+          </a:prstGeom>
+        </p:spPr>
+        <p:txBody>
+          <a:bodyPr vert="horz" lIns="91440" tIns="45720" rIns="91440" bIns="45720" rtlCol="0">
+            <a:normAutofit fontScale="92500" lnSpcReduction="10000"/>
+          </a:bodyPr>
+          <a:lstStyle/>
+          <a:p>
+            <a:pPr marL="342900" marR="0" lvl="0" indent="-342900" algn="r" defTabSz="914400" rtl="0" eaLnBrk="1" fontAlgn="auto" latinLnBrk="0" hangingPunct="1">
+              <a:lnSpc>
+                <a:spcPct val="100000"/>
+              </a:lnSpc>
+              <a:spcBef>
+                <a:spcPct val="20000"/>
+              </a:spcBef>
+              <a:spcAft>
+                <a:spcPts val="0"/>
+              </a:spcAft>
+              <a:buClrTx/>
+              <a:buSzTx/>
+              <a:tabLst/>
+              <a:defRPr/>
+            </a:pPr>
+            <a:r>
+              <a:rPr kumimoji="0" lang="en-US" sz="2200" b="0" i="0" u="none" strike="noStrike" kern="1200" cap="none" spc="0" normalizeH="0" baseline="0" noProof="0" dirty="0" err="1" smtClean="0">
+                <a:ln>
+                  <a:noFill/>
+                </a:ln>
+                <a:solidFill>
+                  <a:schemeClr val="tx1"/>
+                </a:solidFill>
+                <a:effectLst/>
+                <a:uLnTx/>
+                <a:uFillTx/>
+                <a:latin typeface="Cambria" pitchFamily="18" charset="0"/>
+                <a:ea typeface="+mn-ea"/>
+                <a:cs typeface="+mn-cs"/>
+              </a:rPr>
+              <a:t>Rajasekaran</a:t>
+            </a:r>
+            <a:r>
+              <a:rPr kumimoji="0" lang="en-US" sz="2200" b="0" i="0" u="none" strike="noStrike" kern="1200" cap="none" spc="0" normalizeH="0" baseline="0" noProof="0" dirty="0" smtClean="0">
+                <a:ln>
+                  <a:noFill/>
+                </a:ln>
+                <a:solidFill>
+                  <a:schemeClr val="tx1"/>
+                </a:solidFill>
+                <a:effectLst/>
+                <a:uLnTx/>
+                <a:uFillTx/>
+                <a:latin typeface="Cambria" pitchFamily="18" charset="0"/>
+                <a:ea typeface="+mn-ea"/>
+                <a:cs typeface="+mn-cs"/>
+              </a:rPr>
+              <a:t> S</a:t>
+            </a:r>
+          </a:p>
+          <a:p>
+            <a:pPr marL="342900" marR="0" lvl="0" indent="-342900" algn="r" defTabSz="914400" rtl="0" eaLnBrk="1" fontAlgn="auto" latinLnBrk="0" hangingPunct="1">
+              <a:lnSpc>
+                <a:spcPct val="100000"/>
+              </a:lnSpc>
+              <a:spcBef>
+                <a:spcPct val="20000"/>
+              </a:spcBef>
+              <a:spcAft>
+                <a:spcPts val="0"/>
+              </a:spcAft>
+              <a:buClrTx/>
+              <a:buSzTx/>
+              <a:tabLst/>
+              <a:defRPr/>
+            </a:pPr>
+            <a:r>
+              <a:rPr kumimoji="0" lang="en-US" sz="1600" b="0" i="0" u="none" strike="noStrike" kern="1200" cap="none" spc="0" normalizeH="0" baseline="0" noProof="0" dirty="0" smtClean="0">
+                <a:ln>
+                  <a:noFill/>
+                </a:ln>
+                <a:solidFill>
+                  <a:schemeClr val="tx1"/>
+                </a:solidFill>
+                <a:effectLst/>
+                <a:uLnTx/>
+                <a:uFillTx/>
+                <a:latin typeface="Cambria" pitchFamily="18" charset="0"/>
+                <a:ea typeface="+mn-ea"/>
+                <a:cs typeface="+mn-cs"/>
+              </a:rPr>
+              <a:t>Assistant Professor,</a:t>
+            </a:r>
+          </a:p>
+          <a:p>
+            <a:pPr marL="342900" marR="0" lvl="0" indent="-342900" algn="r" defTabSz="914400" rtl="0" eaLnBrk="1" fontAlgn="auto" latinLnBrk="0" hangingPunct="1">
+              <a:lnSpc>
+                <a:spcPct val="100000"/>
+              </a:lnSpc>
+              <a:spcBef>
+                <a:spcPct val="20000"/>
+              </a:spcBef>
+              <a:spcAft>
+                <a:spcPts val="0"/>
+              </a:spcAft>
+              <a:buClrTx/>
+              <a:buSzTx/>
+              <a:tabLst/>
+              <a:defRPr/>
+            </a:pPr>
+            <a:r>
+              <a:rPr kumimoji="0" lang="en-US" sz="1600" b="0" i="0" u="none" strike="noStrike" kern="1200" cap="none" spc="0" normalizeH="0" baseline="0" noProof="0" dirty="0" smtClean="0">
+                <a:ln>
+                  <a:noFill/>
+                </a:ln>
+                <a:solidFill>
+                  <a:schemeClr val="tx1"/>
+                </a:solidFill>
+                <a:effectLst/>
+                <a:uLnTx/>
+                <a:uFillTx/>
+                <a:latin typeface="Cambria" pitchFamily="18" charset="0"/>
+                <a:ea typeface="+mn-ea"/>
+                <a:cs typeface="+mn-cs"/>
+              </a:rPr>
+              <a:t>Department of Information Technology,</a:t>
+            </a:r>
+          </a:p>
+          <a:p>
+            <a:pPr marL="342900" marR="0" lvl="0" indent="-342900" algn="r" defTabSz="914400" rtl="0" eaLnBrk="1" fontAlgn="auto" latinLnBrk="0" hangingPunct="1">
+              <a:lnSpc>
+                <a:spcPct val="100000"/>
+              </a:lnSpc>
+              <a:spcBef>
+                <a:spcPct val="20000"/>
+              </a:spcBef>
+              <a:spcAft>
+                <a:spcPts val="0"/>
+              </a:spcAft>
+              <a:buClrTx/>
+              <a:buSzTx/>
+              <a:tabLst/>
+              <a:defRPr/>
+            </a:pPr>
+            <a:r>
+              <a:rPr kumimoji="0" lang="en-US" sz="1600" b="0" i="0" u="none" strike="noStrike" kern="1200" cap="none" spc="0" normalizeH="0" baseline="0" noProof="0" dirty="0" err="1" smtClean="0">
+                <a:ln>
+                  <a:noFill/>
+                </a:ln>
+                <a:solidFill>
+                  <a:schemeClr val="tx1"/>
+                </a:solidFill>
+                <a:effectLst/>
+                <a:uLnTx/>
+                <a:uFillTx/>
+                <a:latin typeface="Cambria" pitchFamily="18" charset="0"/>
+                <a:ea typeface="+mn-ea"/>
+                <a:cs typeface="+mn-cs"/>
+              </a:rPr>
+              <a:t>KGiSL</a:t>
+            </a:r>
+            <a:r>
+              <a:rPr kumimoji="0" lang="en-US" sz="1600" b="0" i="0" u="none" strike="noStrike" kern="1200" cap="none" spc="0" normalizeH="0" baseline="0" noProof="0" dirty="0" smtClean="0">
+                <a:ln>
+                  <a:noFill/>
+                </a:ln>
+                <a:solidFill>
+                  <a:schemeClr val="tx1"/>
+                </a:solidFill>
+                <a:effectLst/>
+                <a:uLnTx/>
+                <a:uFillTx/>
+                <a:latin typeface="Cambria" pitchFamily="18" charset="0"/>
+                <a:ea typeface="+mn-ea"/>
+                <a:cs typeface="+mn-cs"/>
+              </a:rPr>
+              <a:t> Institute of Technology,</a:t>
+            </a:r>
+          </a:p>
+          <a:p>
+            <a:pPr marL="342900" marR="0" lvl="0" indent="-342900" algn="r" defTabSz="914400" rtl="0" eaLnBrk="1" fontAlgn="auto" latinLnBrk="0" hangingPunct="1">
+              <a:lnSpc>
+                <a:spcPct val="100000"/>
+              </a:lnSpc>
+              <a:spcBef>
+                <a:spcPct val="20000"/>
+              </a:spcBef>
+              <a:spcAft>
+                <a:spcPts val="0"/>
+              </a:spcAft>
+              <a:buClrTx/>
+              <a:buSzTx/>
+              <a:tabLst/>
+              <a:defRPr/>
+            </a:pPr>
+            <a:r>
+              <a:rPr kumimoji="0" lang="en-US" sz="1600" b="0" i="0" u="none" strike="noStrike" kern="1200" cap="none" spc="0" normalizeH="0" baseline="0" noProof="0" dirty="0" smtClean="0">
+                <a:ln>
+                  <a:noFill/>
+                </a:ln>
+                <a:solidFill>
+                  <a:schemeClr val="tx1"/>
+                </a:solidFill>
+                <a:effectLst/>
+                <a:uLnTx/>
+                <a:uFillTx/>
+                <a:latin typeface="Cambria" pitchFamily="18" charset="0"/>
+                <a:ea typeface="+mn-ea"/>
+                <a:cs typeface="+mn-cs"/>
+              </a:rPr>
+              <a:t>email: </a:t>
+            </a:r>
+            <a:r>
+              <a:rPr kumimoji="0" lang="en-US" sz="1600" b="0" i="0" u="none" strike="noStrike" kern="1200" cap="none" spc="0" normalizeH="0" baseline="0" noProof="0" dirty="0" smtClean="0">
+                <a:ln>
+                  <a:noFill/>
+                </a:ln>
+                <a:solidFill>
+                  <a:schemeClr val="tx1"/>
+                </a:solidFill>
+                <a:effectLst/>
+                <a:uLnTx/>
+                <a:uFillTx/>
+                <a:latin typeface="Cambria" pitchFamily="18" charset="0"/>
+                <a:ea typeface="+mn-ea"/>
+                <a:cs typeface="+mn-cs"/>
+                <a:hlinkClick r:id="rId2"/>
+              </a:rPr>
+              <a:t>proffraja@gmail.com</a:t>
+            </a:r>
+            <a:endParaRPr lang="en-US" sz="1600" dirty="0" smtClean="0">
+              <a:latin typeface="Cambria" pitchFamily="18" charset="0"/>
+            </a:endParaRPr>
+          </a:p>
+          <a:p>
+            <a:pPr marL="342900" marR="0" lvl="0" indent="-342900" algn="r" defTabSz="914400" rtl="0" eaLnBrk="1" fontAlgn="auto" latinLnBrk="0" hangingPunct="1">
+              <a:lnSpc>
+                <a:spcPct val="100000"/>
+              </a:lnSpc>
+              <a:spcBef>
+                <a:spcPct val="20000"/>
+              </a:spcBef>
+              <a:spcAft>
+                <a:spcPts val="0"/>
+              </a:spcAft>
+              <a:buClrTx/>
+              <a:buSzTx/>
+              <a:tabLst/>
+              <a:defRPr/>
+            </a:pPr>
+            <a:r>
+              <a:rPr lang="en-US" sz="1600" dirty="0" err="1" smtClean="0">
+                <a:latin typeface="Cambria" pitchFamily="18" charset="0"/>
+              </a:rPr>
+              <a:t>Github:</a:t>
+            </a:r>
+            <a:r>
+              <a:rPr lang="en-US" sz="1600" dirty="0" err="1" smtClean="0">
+                <a:latin typeface="Cambria" pitchFamily="18" charset="0"/>
+                <a:hlinkClick r:id="rId3"/>
+              </a:rPr>
+              <a:t>www.github.com</a:t>
+            </a:r>
+            <a:r>
+              <a:rPr lang="en-US" sz="1600" dirty="0" smtClean="0">
+                <a:latin typeface="Cambria" pitchFamily="18" charset="0"/>
+                <a:hlinkClick r:id="rId3"/>
+              </a:rPr>
+              <a:t>/</a:t>
+            </a:r>
+            <a:r>
+              <a:rPr lang="en-US" sz="1600" dirty="0" err="1" smtClean="0">
+                <a:latin typeface="Cambria" pitchFamily="18" charset="0"/>
+                <a:hlinkClick r:id="rId3"/>
+              </a:rPr>
+              <a:t>rajasekaranap</a:t>
+            </a:r>
+            <a:endParaRPr lang="en-US" sz="1600" dirty="0" smtClean="0">
+              <a:latin typeface="Cambria" pitchFamily="18" charset="0"/>
+            </a:endParaRPr>
+          </a:p>
+          <a:p>
+            <a:pPr marL="342900" marR="0" lvl="0" indent="-342900" algn="r" defTabSz="914400" rtl="0" eaLnBrk="1" fontAlgn="auto" latinLnBrk="0" hangingPunct="1">
+              <a:lnSpc>
+                <a:spcPct val="100000"/>
+              </a:lnSpc>
+              <a:spcBef>
+                <a:spcPct val="20000"/>
+              </a:spcBef>
+              <a:spcAft>
+                <a:spcPts val="0"/>
+              </a:spcAft>
+              <a:buClrTx/>
+              <a:buSzTx/>
+              <a:tabLst/>
+              <a:defRPr/>
+            </a:pPr>
+            <a:endParaRPr lang="en-US" sz="1600" dirty="0" smtClean="0">
               <a:latin typeface="Cambria" pitchFamily="18" charset="0"/>
             </a:endParaRPr>
           </a:p>
@@ -3753,20 +4420,23 @@
           <a:p>
             <a:r>
               <a:rPr lang="en-IN" dirty="0" smtClean="0"/>
+              <a:t>Variables</a:t>
+            </a:r>
+            <a:endParaRPr lang="en-IN" dirty="0" smtClean="0"/>
+          </a:p>
+          <a:p>
+            <a:r>
+              <a:rPr lang="en-IN" dirty="0" smtClean="0"/>
               <a:t>Sequence</a:t>
             </a:r>
-          </a:p>
-          <a:p>
-            <a:r>
-              <a:rPr lang="en-IN" dirty="0" smtClean="0"/>
-              <a:t>Variables</a:t>
-            </a:r>
+            <a:endParaRPr lang="en-IN" dirty="0" smtClean="0"/>
           </a:p>
           <a:p>
             <a:r>
               <a:rPr lang="en-IN" dirty="0" smtClean="0"/>
               <a:t>Conditionals</a:t>
             </a:r>
+            <a:endParaRPr lang="en-IN" dirty="0" smtClean="0"/>
           </a:p>
           <a:p>
             <a:r>
@@ -3889,11 +4559,7 @@
             <a:pPr lvl="1"/>
             <a:r>
               <a:rPr lang="en-IN" dirty="0" smtClean="0"/>
-              <a:t> </a:t>
-            </a:r>
-            <a:r>
-              <a:rPr lang="en-IN" dirty="0" smtClean="0"/>
-              <a:t>C = A + B [a statement performs addition]</a:t>
+              <a:t> C = A + B [a statement performs addition]</a:t>
             </a:r>
           </a:p>
           <a:p>
@@ -4130,23 +4796,7 @@
             <a:pPr lvl="1"/>
             <a:r>
               <a:rPr lang="en-IN" dirty="0" smtClean="0"/>
-              <a:t>Step2: </a:t>
-            </a:r>
-            <a:r>
-              <a:rPr lang="en-IN" dirty="0" smtClean="0"/>
-              <a:t>Assign </a:t>
-            </a:r>
-            <a:r>
-              <a:rPr lang="en-IN" dirty="0" smtClean="0"/>
-              <a:t>B </a:t>
-            </a:r>
-            <a:r>
-              <a:rPr lang="en-IN" dirty="0" smtClean="0"/>
-              <a:t>with </a:t>
-            </a:r>
-            <a:r>
-              <a:rPr lang="en-IN" dirty="0" smtClean="0"/>
-              <a:t>value 20</a:t>
+              <a:t>Step2: Assign B with value 20</a:t>
             </a:r>
           </a:p>
           <a:p>
@@ -4201,337 +4851,55 @@
             <p:ph type="title"/>
           </p:nvPr>
         </p:nvSpPr>
-        <p:spPr>
-          <a:xfrm>
-            <a:off x="457200" y="1981200"/>
-            <a:ext cx="8229600" cy="1143000"/>
-          </a:xfrm>
-        </p:spPr>
-        <p:txBody>
-          <a:bodyPr/>
-          <a:lstStyle/>
-          <a:p>
+        <p:spPr/>
+        <p:txBody>
+          <a:bodyPr/>
+          <a:lstStyle/>
+          <a:p>
+            <a:r>
+              <a:rPr lang="en-IN" dirty="0" smtClean="0"/>
+              <a:t>State</a:t>
+            </a:r>
+            <a:endParaRPr lang="en-US" dirty="0"/>
+          </a:p>
+        </p:txBody>
+      </p:sp>
+      <p:sp>
+        <p:nvSpPr>
+          <p:cNvPr id="3" name="Content Placeholder 2"/>
+          <p:cNvSpPr>
+            <a:spLocks noGrp="1"/>
+          </p:cNvSpPr>
+          <p:nvPr>
+            <p:ph idx="1"/>
+          </p:nvPr>
+        </p:nvSpPr>
+        <p:spPr/>
+        <p:txBody>
+          <a:bodyPr/>
+          <a:lstStyle/>
+          <a:p>
+            <a:pPr algn="just"/>
+            <a:r>
+              <a:rPr lang="en-IN" dirty="0" smtClean="0"/>
+              <a:t>While executing an algorithm the machine transits over different states.</a:t>
+            </a:r>
+          </a:p>
+          <a:p>
+            <a:pPr algn="just"/>
             <a:r>
               <a:rPr lang="en-US" dirty="0" smtClean="0"/>
-              <a:t>Thank You</a:t>
-            </a:r>
-            <a:endParaRPr lang="en-US" dirty="0"/>
-          </a:p>
-        </p:txBody>
-      </p:sp>
-      <p:sp>
-        <p:nvSpPr>
-          <p:cNvPr id="4" name="Subtitle 2"/>
-          <p:cNvSpPr txBox="1">
-            <a:spLocks/>
-          </p:cNvSpPr>
-          <p:nvPr/>
-        </p:nvSpPr>
-        <p:spPr>
-          <a:xfrm>
-            <a:off x="4038600" y="4191000"/>
-            <a:ext cx="4191000" cy="1752600"/>
-          </a:xfrm>
-          <a:prstGeom prst="rect">
-            <a:avLst/>
-          </a:prstGeom>
-        </p:spPr>
-        <p:txBody>
-          <a:bodyPr vert="horz" lIns="91440" tIns="45720" rIns="91440" bIns="45720" rtlCol="0">
-            <a:normAutofit fontScale="92500" lnSpcReduction="10000"/>
-          </a:bodyPr>
-          <a:lstStyle/>
-          <a:p>
-            <a:pPr marL="342900" marR="0" lvl="0" indent="-342900" algn="r" defTabSz="914400" rtl="0" eaLnBrk="1" fontAlgn="auto" latinLnBrk="0" hangingPunct="1">
-              <a:lnSpc>
-                <a:spcPct val="100000"/>
-              </a:lnSpc>
-              <a:spcBef>
-                <a:spcPct val="20000"/>
-              </a:spcBef>
-              <a:spcAft>
-                <a:spcPts val="0"/>
-              </a:spcAft>
-              <a:buClrTx/>
-              <a:buSzTx/>
-              <a:tabLst/>
-              <a:defRPr/>
-            </a:pPr>
-            <a:r>
-              <a:rPr kumimoji="0" lang="en-US" sz="2200" b="0" i="0" u="none" strike="noStrike" kern="1200" cap="none" spc="0" normalizeH="0" baseline="0" noProof="0" dirty="0" err="1" smtClean="0">
-                <a:ln>
-                  <a:noFill/>
-                </a:ln>
-                <a:solidFill>
-                  <a:schemeClr val="tx1"/>
-                </a:solidFill>
-                <a:effectLst/>
-                <a:uLnTx/>
-                <a:uFillTx/>
-                <a:latin typeface="Cambria" pitchFamily="18" charset="0"/>
-                <a:ea typeface="+mn-ea"/>
-                <a:cs typeface="+mn-cs"/>
-              </a:rPr>
-              <a:t>Rajasekaran</a:t>
-            </a:r>
-            <a:r>
-              <a:rPr kumimoji="0" lang="en-US" sz="2200" b="0" i="0" u="none" strike="noStrike" kern="1200" cap="none" spc="0" normalizeH="0" baseline="0" noProof="0" dirty="0" smtClean="0">
-                <a:ln>
-                  <a:noFill/>
-                </a:ln>
-                <a:solidFill>
-                  <a:schemeClr val="tx1"/>
-                </a:solidFill>
-                <a:effectLst/>
-                <a:uLnTx/>
-                <a:uFillTx/>
-                <a:latin typeface="Cambria" pitchFamily="18" charset="0"/>
-                <a:ea typeface="+mn-ea"/>
-                <a:cs typeface="+mn-cs"/>
-              </a:rPr>
-              <a:t> S</a:t>
-            </a:r>
-          </a:p>
-          <a:p>
-            <a:pPr marL="342900" marR="0" lvl="0" indent="-342900" algn="r" defTabSz="914400" rtl="0" eaLnBrk="1" fontAlgn="auto" latinLnBrk="0" hangingPunct="1">
-              <a:lnSpc>
-                <a:spcPct val="100000"/>
-              </a:lnSpc>
-              <a:spcBef>
-                <a:spcPct val="20000"/>
-              </a:spcBef>
-              <a:spcAft>
-                <a:spcPts val="0"/>
-              </a:spcAft>
-              <a:buClrTx/>
-              <a:buSzTx/>
-              <a:tabLst/>
-              <a:defRPr/>
-            </a:pPr>
-            <a:r>
-              <a:rPr kumimoji="0" lang="en-US" sz="1600" b="0" i="0" u="none" strike="noStrike" kern="1200" cap="none" spc="0" normalizeH="0" baseline="0" noProof="0" dirty="0" smtClean="0">
-                <a:ln>
-                  <a:noFill/>
-                </a:ln>
-                <a:solidFill>
-                  <a:schemeClr val="tx1"/>
-                </a:solidFill>
-                <a:effectLst/>
-                <a:uLnTx/>
-                <a:uFillTx/>
-                <a:latin typeface="Cambria" pitchFamily="18" charset="0"/>
-                <a:ea typeface="+mn-ea"/>
-                <a:cs typeface="+mn-cs"/>
-              </a:rPr>
-              <a:t>Assistant Professor,</a:t>
-            </a:r>
-          </a:p>
-          <a:p>
-            <a:pPr marL="342900" marR="0" lvl="0" indent="-342900" algn="r" defTabSz="914400" rtl="0" eaLnBrk="1" fontAlgn="auto" latinLnBrk="0" hangingPunct="1">
-              <a:lnSpc>
-                <a:spcPct val="100000"/>
-              </a:lnSpc>
-              <a:spcBef>
-                <a:spcPct val="20000"/>
-              </a:spcBef>
-              <a:spcAft>
-                <a:spcPts val="0"/>
-              </a:spcAft>
-              <a:buClrTx/>
-              <a:buSzTx/>
-              <a:tabLst/>
-              <a:defRPr/>
-            </a:pPr>
-            <a:r>
-              <a:rPr kumimoji="0" lang="en-US" sz="1600" b="0" i="0" u="none" strike="noStrike" kern="1200" cap="none" spc="0" normalizeH="0" baseline="0" noProof="0" dirty="0" smtClean="0">
-                <a:ln>
-                  <a:noFill/>
-                </a:ln>
-                <a:solidFill>
-                  <a:schemeClr val="tx1"/>
-                </a:solidFill>
-                <a:effectLst/>
-                <a:uLnTx/>
-                <a:uFillTx/>
-                <a:latin typeface="Cambria" pitchFamily="18" charset="0"/>
-                <a:ea typeface="+mn-ea"/>
-                <a:cs typeface="+mn-cs"/>
-              </a:rPr>
-              <a:t>Department of Information Technology,</a:t>
-            </a:r>
-          </a:p>
-          <a:p>
-            <a:pPr marL="342900" marR="0" lvl="0" indent="-342900" algn="r" defTabSz="914400" rtl="0" eaLnBrk="1" fontAlgn="auto" latinLnBrk="0" hangingPunct="1">
-              <a:lnSpc>
-                <a:spcPct val="100000"/>
-              </a:lnSpc>
-              <a:spcBef>
-                <a:spcPct val="20000"/>
-              </a:spcBef>
-              <a:spcAft>
-                <a:spcPts val="0"/>
-              </a:spcAft>
-              <a:buClrTx/>
-              <a:buSzTx/>
-              <a:tabLst/>
-              <a:defRPr/>
-            </a:pPr>
-            <a:r>
-              <a:rPr kumimoji="0" lang="en-US" sz="1600" b="0" i="0" u="none" strike="noStrike" kern="1200" cap="none" spc="0" normalizeH="0" baseline="0" noProof="0" dirty="0" err="1" smtClean="0">
-                <a:ln>
-                  <a:noFill/>
-                </a:ln>
-                <a:solidFill>
-                  <a:schemeClr val="tx1"/>
-                </a:solidFill>
-                <a:effectLst/>
-                <a:uLnTx/>
-                <a:uFillTx/>
-                <a:latin typeface="Cambria" pitchFamily="18" charset="0"/>
-                <a:ea typeface="+mn-ea"/>
-                <a:cs typeface="+mn-cs"/>
-              </a:rPr>
-              <a:t>KGiSL</a:t>
-            </a:r>
-            <a:r>
-              <a:rPr kumimoji="0" lang="en-US" sz="1600" b="0" i="0" u="none" strike="noStrike" kern="1200" cap="none" spc="0" normalizeH="0" baseline="0" noProof="0" dirty="0" smtClean="0">
-                <a:ln>
-                  <a:noFill/>
-                </a:ln>
-                <a:solidFill>
-                  <a:schemeClr val="tx1"/>
-                </a:solidFill>
-                <a:effectLst/>
-                <a:uLnTx/>
-                <a:uFillTx/>
-                <a:latin typeface="Cambria" pitchFamily="18" charset="0"/>
-                <a:ea typeface="+mn-ea"/>
-                <a:cs typeface="+mn-cs"/>
-              </a:rPr>
-              <a:t> Institute of Technology,</a:t>
-            </a:r>
-          </a:p>
-          <a:p>
-            <a:pPr marL="342900" marR="0" lvl="0" indent="-342900" algn="r" defTabSz="914400" rtl="0" eaLnBrk="1" fontAlgn="auto" latinLnBrk="0" hangingPunct="1">
-              <a:lnSpc>
-                <a:spcPct val="100000"/>
-              </a:lnSpc>
-              <a:spcBef>
-                <a:spcPct val="20000"/>
-              </a:spcBef>
-              <a:spcAft>
-                <a:spcPts val="0"/>
-              </a:spcAft>
-              <a:buClrTx/>
-              <a:buSzTx/>
-              <a:tabLst/>
-              <a:defRPr/>
-            </a:pPr>
-            <a:r>
-              <a:rPr kumimoji="0" lang="en-US" sz="1600" b="0" i="0" u="none" strike="noStrike" kern="1200" cap="none" spc="0" normalizeH="0" baseline="0" noProof="0" dirty="0" smtClean="0">
-                <a:ln>
-                  <a:noFill/>
-                </a:ln>
-                <a:solidFill>
-                  <a:schemeClr val="tx1"/>
-                </a:solidFill>
-                <a:effectLst/>
-                <a:uLnTx/>
-                <a:uFillTx/>
-                <a:latin typeface="Cambria" pitchFamily="18" charset="0"/>
-                <a:ea typeface="+mn-ea"/>
-                <a:cs typeface="+mn-cs"/>
-              </a:rPr>
-              <a:t>email: </a:t>
-            </a:r>
-            <a:r>
-              <a:rPr kumimoji="0" lang="en-US" sz="1600" b="0" i="0" u="none" strike="noStrike" kern="1200" cap="none" spc="0" normalizeH="0" baseline="0" noProof="0" dirty="0" smtClean="0">
-                <a:ln>
-                  <a:noFill/>
-                </a:ln>
-                <a:solidFill>
-                  <a:schemeClr val="tx1"/>
-                </a:solidFill>
-                <a:effectLst/>
-                <a:uLnTx/>
-                <a:uFillTx/>
-                <a:latin typeface="Cambria" pitchFamily="18" charset="0"/>
-                <a:ea typeface="+mn-ea"/>
-                <a:cs typeface="+mn-cs"/>
-                <a:hlinkClick r:id="rId2"/>
-              </a:rPr>
-              <a:t>proffraja@gmail.com</a:t>
-            </a:r>
-            <a:endParaRPr lang="en-US" sz="1600" dirty="0" smtClean="0">
-              <a:latin typeface="Cambria" pitchFamily="18" charset="0"/>
-            </a:endParaRPr>
-          </a:p>
-          <a:p>
-            <a:pPr marL="342900" marR="0" lvl="0" indent="-342900" algn="r" defTabSz="914400" rtl="0" eaLnBrk="1" fontAlgn="auto" latinLnBrk="0" hangingPunct="1">
-              <a:lnSpc>
-                <a:spcPct val="100000"/>
-              </a:lnSpc>
-              <a:spcBef>
-                <a:spcPct val="20000"/>
-              </a:spcBef>
-              <a:spcAft>
-                <a:spcPts val="0"/>
-              </a:spcAft>
-              <a:buClrTx/>
-              <a:buSzTx/>
-              <a:tabLst/>
-              <a:defRPr/>
-            </a:pPr>
-            <a:r>
-              <a:rPr lang="en-US" sz="1600" dirty="0" err="1" smtClean="0">
-                <a:latin typeface="Cambria" pitchFamily="18" charset="0"/>
-              </a:rPr>
-              <a:t>Github:</a:t>
-            </a:r>
-            <a:r>
-              <a:rPr lang="en-US" sz="1600" dirty="0" err="1" smtClean="0">
-                <a:latin typeface="Cambria" pitchFamily="18" charset="0"/>
-                <a:hlinkClick r:id="rId3"/>
-              </a:rPr>
-              <a:t>www.github.com</a:t>
-            </a:r>
-            <a:r>
-              <a:rPr lang="en-US" sz="1600" dirty="0" smtClean="0">
-                <a:latin typeface="Cambria" pitchFamily="18" charset="0"/>
-                <a:hlinkClick r:id="rId3"/>
-              </a:rPr>
-              <a:t>/</a:t>
-            </a:r>
-            <a:r>
-              <a:rPr lang="en-US" sz="1600" dirty="0" err="1" smtClean="0">
-                <a:latin typeface="Cambria" pitchFamily="18" charset="0"/>
-                <a:hlinkClick r:id="rId3"/>
-              </a:rPr>
-              <a:t>rajasekaranap</a:t>
-            </a:r>
-            <a:endParaRPr lang="en-US" sz="1600" dirty="0" smtClean="0">
-              <a:latin typeface="Cambria" pitchFamily="18" charset="0"/>
-            </a:endParaRPr>
-          </a:p>
-          <a:p>
-            <a:pPr marL="342900" marR="0" lvl="0" indent="-342900" algn="r" defTabSz="914400" rtl="0" eaLnBrk="1" fontAlgn="auto" latinLnBrk="0" hangingPunct="1">
-              <a:lnSpc>
-                <a:spcPct val="100000"/>
-              </a:lnSpc>
-              <a:spcBef>
-                <a:spcPct val="20000"/>
-              </a:spcBef>
-              <a:spcAft>
-                <a:spcPts val="0"/>
-              </a:spcAft>
-              <a:buClrTx/>
-              <a:buSzTx/>
-              <a:tabLst/>
-              <a:defRPr/>
-            </a:pPr>
-            <a:endParaRPr lang="en-US" sz="1600" dirty="0" smtClean="0">
-              <a:latin typeface="Cambria" pitchFamily="18" charset="0"/>
-            </a:endParaRPr>
+              <a:t>a program is described as </a:t>
+            </a:r>
+            <a:r>
+              <a:rPr lang="en-US" dirty="0" err="1" smtClean="0"/>
+              <a:t>stateful</a:t>
+            </a:r>
+            <a:r>
+              <a:rPr lang="en-US" dirty="0" smtClean="0"/>
+              <a:t> if it is designed to remember preceding events or user interactions; the remembered information is called the state of the system.</a:t>
+            </a:r>
+            <a:endParaRPr lang="en-IN" dirty="0" smtClean="0"/>
           </a:p>
         </p:txBody>
       </p:sp>
@@ -4540,13 +4908,850 @@
   <p:clrMapOvr>
     <a:masterClrMapping/>
   </p:clrMapOvr>
-  <p:timing>
-    <p:tnLst>
-      <p:par>
-        <p:cTn id="1" dur="indefinite" restart="never" nodeType="tmRoot"/>
-      </p:par>
-    </p:tnLst>
-  </p:timing>
+</p:sld>
+</file>
+
+<file path=ppt/slides/slide7.xml><?xml version="1.0" encoding="utf-8"?>
+<p:sld xmlns:a="http://schemas.openxmlformats.org/drawingml/2006/main" xmlns:r="http://schemas.openxmlformats.org/officeDocument/2006/relationships" xmlns:p="http://schemas.openxmlformats.org/presentationml/2006/main">
+  <p:cSld>
+    <p:spTree>
+      <p:nvGrpSpPr>
+        <p:cNvPr id="1" name=""/>
+        <p:cNvGrpSpPr/>
+        <p:nvPr/>
+      </p:nvGrpSpPr>
+      <p:grpSpPr>
+        <a:xfrm>
+          <a:off x="0" y="0"/>
+          <a:ext cx="0" cy="0"/>
+          <a:chOff x="0" y="0"/>
+          <a:chExt cx="0" cy="0"/>
+        </a:xfrm>
+      </p:grpSpPr>
+      <p:sp>
+        <p:nvSpPr>
+          <p:cNvPr id="2" name="Title 1"/>
+          <p:cNvSpPr>
+            <a:spLocks noGrp="1"/>
+          </p:cNvSpPr>
+          <p:nvPr>
+            <p:ph type="title"/>
+          </p:nvPr>
+        </p:nvSpPr>
+        <p:spPr/>
+        <p:txBody>
+          <a:bodyPr/>
+          <a:lstStyle/>
+          <a:p>
+            <a:r>
+              <a:rPr lang="en-IN" dirty="0" smtClean="0"/>
+              <a:t>State</a:t>
+            </a:r>
+            <a:endParaRPr lang="en-US" dirty="0"/>
+          </a:p>
+        </p:txBody>
+      </p:sp>
+      <p:grpSp>
+        <p:nvGrpSpPr>
+          <p:cNvPr id="33" name="Group 32"/>
+          <p:cNvGrpSpPr/>
+          <p:nvPr/>
+        </p:nvGrpSpPr>
+        <p:grpSpPr>
+          <a:xfrm>
+            <a:off x="428595" y="2071678"/>
+            <a:ext cx="8420159" cy="2428892"/>
+            <a:chOff x="928662" y="3143248"/>
+            <a:chExt cx="7429552" cy="2143140"/>
+          </a:xfrm>
+        </p:grpSpPr>
+        <p:sp>
+          <p:nvSpPr>
+            <p:cNvPr id="5" name="Oval 4"/>
+            <p:cNvSpPr/>
+            <p:nvPr/>
+          </p:nvSpPr>
+          <p:spPr>
+            <a:xfrm>
+              <a:off x="928662" y="3362324"/>
+              <a:ext cx="1143008" cy="1143008"/>
+            </a:xfrm>
+            <a:prstGeom prst="ellipse">
+              <a:avLst/>
+            </a:prstGeom>
+          </p:spPr>
+          <p:style>
+            <a:lnRef idx="3">
+              <a:schemeClr val="lt1"/>
+            </a:lnRef>
+            <a:fillRef idx="1">
+              <a:schemeClr val="accent3"/>
+            </a:fillRef>
+            <a:effectRef idx="1">
+              <a:schemeClr val="accent3"/>
+            </a:effectRef>
+            <a:fontRef idx="minor">
+              <a:schemeClr val="lt1"/>
+            </a:fontRef>
+          </p:style>
+          <p:txBody>
+            <a:bodyPr rtlCol="0" anchor="ctr"/>
+            <a:lstStyle/>
+            <a:p>
+              <a:pPr algn="ctr"/>
+              <a:r>
+                <a:rPr lang="en-US" b="1" dirty="0" smtClean="0"/>
+                <a:t>Start</a:t>
+              </a:r>
+              <a:endParaRPr lang="en-US" b="1" dirty="0"/>
+            </a:p>
+          </p:txBody>
+        </p:sp>
+        <p:sp>
+          <p:nvSpPr>
+            <p:cNvPr id="6" name="Oval 5"/>
+            <p:cNvSpPr/>
+            <p:nvPr/>
+          </p:nvSpPr>
+          <p:spPr>
+            <a:xfrm>
+              <a:off x="2881301" y="3362324"/>
+              <a:ext cx="1143008" cy="1143008"/>
+            </a:xfrm>
+            <a:prstGeom prst="ellipse">
+              <a:avLst/>
+            </a:prstGeom>
+          </p:spPr>
+          <p:style>
+            <a:lnRef idx="3">
+              <a:schemeClr val="lt1"/>
+            </a:lnRef>
+            <a:fillRef idx="1">
+              <a:schemeClr val="accent1"/>
+            </a:fillRef>
+            <a:effectRef idx="1">
+              <a:schemeClr val="accent1"/>
+            </a:effectRef>
+            <a:fontRef idx="minor">
+              <a:schemeClr val="lt1"/>
+            </a:fontRef>
+          </p:style>
+          <p:txBody>
+            <a:bodyPr rtlCol="0" anchor="ctr"/>
+            <a:lstStyle/>
+            <a:p>
+              <a:pPr algn="ctr"/>
+              <a:r>
+                <a:rPr lang="en-US" b="1" dirty="0" smtClean="0"/>
+                <a:t>State 1</a:t>
+              </a:r>
+              <a:endParaRPr lang="en-US" b="1" dirty="0"/>
+            </a:p>
+          </p:txBody>
+        </p:sp>
+        <p:sp>
+          <p:nvSpPr>
+            <p:cNvPr id="7" name="Oval 6"/>
+            <p:cNvSpPr/>
+            <p:nvPr/>
+          </p:nvSpPr>
+          <p:spPr>
+            <a:xfrm>
+              <a:off x="4833940" y="3362324"/>
+              <a:ext cx="1143008" cy="1143008"/>
+            </a:xfrm>
+            <a:prstGeom prst="ellipse">
+              <a:avLst/>
+            </a:prstGeom>
+          </p:spPr>
+          <p:style>
+            <a:lnRef idx="3">
+              <a:schemeClr val="lt1"/>
+            </a:lnRef>
+            <a:fillRef idx="1">
+              <a:schemeClr val="accent6"/>
+            </a:fillRef>
+            <a:effectRef idx="1">
+              <a:schemeClr val="accent6"/>
+            </a:effectRef>
+            <a:fontRef idx="minor">
+              <a:schemeClr val="lt1"/>
+            </a:fontRef>
+          </p:style>
+          <p:txBody>
+            <a:bodyPr rtlCol="0" anchor="ctr"/>
+            <a:lstStyle/>
+            <a:p>
+              <a:pPr algn="ctr"/>
+              <a:r>
+                <a:rPr lang="en-US" b="1" dirty="0" smtClean="0"/>
+                <a:t>State 2</a:t>
+              </a:r>
+              <a:endParaRPr lang="en-US" b="1" dirty="0"/>
+            </a:p>
+          </p:txBody>
+        </p:sp>
+        <p:grpSp>
+          <p:nvGrpSpPr>
+            <p:cNvPr id="10" name="Group 9"/>
+            <p:cNvGrpSpPr/>
+            <p:nvPr/>
+          </p:nvGrpSpPr>
+          <p:grpSpPr>
+            <a:xfrm>
+              <a:off x="6786578" y="3143248"/>
+              <a:ext cx="1571636" cy="1581160"/>
+              <a:chOff x="5214942" y="4633922"/>
+              <a:chExt cx="1571636" cy="1581160"/>
+            </a:xfrm>
+          </p:grpSpPr>
+          <p:sp>
+            <p:nvSpPr>
+              <p:cNvPr id="9" name="Oval 8"/>
+              <p:cNvSpPr/>
+              <p:nvPr/>
+            </p:nvSpPr>
+            <p:spPr>
+              <a:xfrm>
+                <a:off x="5214942" y="4633922"/>
+                <a:ext cx="1571636" cy="1581160"/>
+              </a:xfrm>
+              <a:prstGeom prst="ellipse">
+                <a:avLst/>
+              </a:prstGeom>
+            </p:spPr>
+            <p:style>
+              <a:lnRef idx="2">
+                <a:schemeClr val="accent2">
+                  <a:shade val="50000"/>
+                </a:schemeClr>
+              </a:lnRef>
+              <a:fillRef idx="1">
+                <a:schemeClr val="accent2"/>
+              </a:fillRef>
+              <a:effectRef idx="0">
+                <a:schemeClr val="accent2"/>
+              </a:effectRef>
+              <a:fontRef idx="minor">
+                <a:schemeClr val="lt1"/>
+              </a:fontRef>
+            </p:style>
+            <p:txBody>
+              <a:bodyPr rtlCol="0" anchor="ctr"/>
+              <a:lstStyle/>
+              <a:p>
+                <a:pPr algn="ctr"/>
+                <a:endParaRPr lang="en-US" dirty="0"/>
+              </a:p>
+            </p:txBody>
+          </p:sp>
+          <p:sp>
+            <p:nvSpPr>
+              <p:cNvPr id="8" name="Oval 7"/>
+              <p:cNvSpPr/>
+              <p:nvPr/>
+            </p:nvSpPr>
+            <p:spPr>
+              <a:xfrm>
+                <a:off x="5429256" y="4857760"/>
+                <a:ext cx="1143008" cy="1143008"/>
+              </a:xfrm>
+              <a:prstGeom prst="ellipse">
+                <a:avLst/>
+              </a:prstGeom>
+            </p:spPr>
+            <p:style>
+              <a:lnRef idx="3">
+                <a:schemeClr val="lt1"/>
+              </a:lnRef>
+              <a:fillRef idx="1">
+                <a:schemeClr val="accent5"/>
+              </a:fillRef>
+              <a:effectRef idx="1">
+                <a:schemeClr val="accent5"/>
+              </a:effectRef>
+              <a:fontRef idx="minor">
+                <a:schemeClr val="lt1"/>
+              </a:fontRef>
+            </p:style>
+            <p:txBody>
+              <a:bodyPr rtlCol="0" anchor="ctr"/>
+              <a:lstStyle/>
+              <a:p>
+                <a:pPr algn="ctr"/>
+                <a:r>
+                  <a:rPr lang="en-US" sz="2000" b="1" dirty="0" smtClean="0"/>
+                  <a:t>Final</a:t>
+                </a:r>
+              </a:p>
+              <a:p>
+                <a:pPr algn="ctr"/>
+                <a:r>
+                  <a:rPr lang="en-US" sz="2000" b="1" dirty="0" smtClean="0"/>
+                  <a:t>State</a:t>
+                </a:r>
+                <a:endParaRPr lang="en-US" sz="2000" b="1" dirty="0"/>
+              </a:p>
+            </p:txBody>
+          </p:sp>
+        </p:grpSp>
+        <p:cxnSp>
+          <p:nvCxnSpPr>
+            <p:cNvPr id="12" name="Straight Arrow Connector 11"/>
+            <p:cNvCxnSpPr>
+              <a:stCxn id="5" idx="6"/>
+              <a:endCxn id="6" idx="2"/>
+            </p:cNvCxnSpPr>
+            <p:nvPr/>
+          </p:nvCxnSpPr>
+          <p:spPr>
+            <a:xfrm>
+              <a:off x="2071670" y="3933828"/>
+              <a:ext cx="809631" cy="1588"/>
+            </a:xfrm>
+            <a:prstGeom prst="straightConnector1">
+              <a:avLst/>
+            </a:prstGeom>
+            <a:ln>
+              <a:tailEnd type="arrow"/>
+            </a:ln>
+          </p:spPr>
+          <p:style>
+            <a:lnRef idx="2">
+              <a:schemeClr val="dk1"/>
+            </a:lnRef>
+            <a:fillRef idx="0">
+              <a:schemeClr val="dk1"/>
+            </a:fillRef>
+            <a:effectRef idx="1">
+              <a:schemeClr val="dk1"/>
+            </a:effectRef>
+            <a:fontRef idx="minor">
+              <a:schemeClr val="tx1"/>
+            </a:fontRef>
+          </p:style>
+        </p:cxnSp>
+        <p:cxnSp>
+          <p:nvCxnSpPr>
+            <p:cNvPr id="13" name="Straight Arrow Connector 12"/>
+            <p:cNvCxnSpPr>
+              <a:stCxn id="6" idx="6"/>
+              <a:endCxn id="7" idx="2"/>
+            </p:cNvCxnSpPr>
+            <p:nvPr/>
+          </p:nvCxnSpPr>
+          <p:spPr>
+            <a:xfrm>
+              <a:off x="4024309" y="3933828"/>
+              <a:ext cx="809631" cy="1588"/>
+            </a:xfrm>
+            <a:prstGeom prst="straightConnector1">
+              <a:avLst/>
+            </a:prstGeom>
+            <a:ln>
+              <a:tailEnd type="arrow"/>
+            </a:ln>
+          </p:spPr>
+          <p:style>
+            <a:lnRef idx="2">
+              <a:schemeClr val="dk1"/>
+            </a:lnRef>
+            <a:fillRef idx="0">
+              <a:schemeClr val="dk1"/>
+            </a:fillRef>
+            <a:effectRef idx="1">
+              <a:schemeClr val="dk1"/>
+            </a:effectRef>
+            <a:fontRef idx="minor">
+              <a:schemeClr val="tx1"/>
+            </a:fontRef>
+          </p:style>
+        </p:cxnSp>
+        <p:cxnSp>
+          <p:nvCxnSpPr>
+            <p:cNvPr id="16" name="Straight Arrow Connector 15"/>
+            <p:cNvCxnSpPr>
+              <a:stCxn id="7" idx="6"/>
+              <a:endCxn id="9" idx="2"/>
+            </p:cNvCxnSpPr>
+            <p:nvPr/>
+          </p:nvCxnSpPr>
+          <p:spPr>
+            <a:xfrm>
+              <a:off x="5976948" y="3933828"/>
+              <a:ext cx="809630" cy="1588"/>
+            </a:xfrm>
+            <a:prstGeom prst="straightConnector1">
+              <a:avLst/>
+            </a:prstGeom>
+            <a:ln>
+              <a:tailEnd type="arrow"/>
+            </a:ln>
+          </p:spPr>
+          <p:style>
+            <a:lnRef idx="2">
+              <a:schemeClr val="dk1"/>
+            </a:lnRef>
+            <a:fillRef idx="0">
+              <a:schemeClr val="dk1"/>
+            </a:fillRef>
+            <a:effectRef idx="1">
+              <a:schemeClr val="dk1"/>
+            </a:effectRef>
+            <a:fontRef idx="minor">
+              <a:schemeClr val="tx1"/>
+            </a:fontRef>
+          </p:style>
+        </p:cxnSp>
+        <p:sp>
+          <p:nvSpPr>
+            <p:cNvPr id="19" name="Rectangle 18"/>
+            <p:cNvSpPr/>
+            <p:nvPr/>
+          </p:nvSpPr>
+          <p:spPr>
+            <a:xfrm>
+              <a:off x="2143108" y="3286124"/>
+              <a:ext cx="571504" cy="357190"/>
+            </a:xfrm>
+            <a:prstGeom prst="rect">
+              <a:avLst/>
+            </a:prstGeom>
+          </p:spPr>
+          <p:style>
+            <a:lnRef idx="1">
+              <a:schemeClr val="accent3"/>
+            </a:lnRef>
+            <a:fillRef idx="2">
+              <a:schemeClr val="accent3"/>
+            </a:fillRef>
+            <a:effectRef idx="1">
+              <a:schemeClr val="accent3"/>
+            </a:effectRef>
+            <a:fontRef idx="minor">
+              <a:schemeClr val="dk1"/>
+            </a:fontRef>
+          </p:style>
+          <p:txBody>
+            <a:bodyPr rtlCol="0" anchor="ctr"/>
+            <a:lstStyle/>
+            <a:p>
+              <a:pPr algn="ctr"/>
+              <a:r>
+                <a:rPr lang="en-US" b="1" dirty="0" smtClean="0"/>
+                <a:t>S</a:t>
+              </a:r>
+              <a:endParaRPr lang="en-US" b="1" dirty="0"/>
+            </a:p>
+          </p:txBody>
+        </p:sp>
+        <p:sp>
+          <p:nvSpPr>
+            <p:cNvPr id="20" name="Rectangle 19"/>
+            <p:cNvSpPr/>
+            <p:nvPr/>
+          </p:nvSpPr>
+          <p:spPr>
+            <a:xfrm>
+              <a:off x="4143372" y="3286124"/>
+              <a:ext cx="571504" cy="357190"/>
+            </a:xfrm>
+            <a:prstGeom prst="rect">
+              <a:avLst/>
+            </a:prstGeom>
+          </p:spPr>
+          <p:style>
+            <a:lnRef idx="1">
+              <a:schemeClr val="accent3"/>
+            </a:lnRef>
+            <a:fillRef idx="2">
+              <a:schemeClr val="accent3"/>
+            </a:fillRef>
+            <a:effectRef idx="1">
+              <a:schemeClr val="accent3"/>
+            </a:effectRef>
+            <a:fontRef idx="minor">
+              <a:schemeClr val="dk1"/>
+            </a:fontRef>
+          </p:style>
+          <p:txBody>
+            <a:bodyPr rtlCol="0" anchor="ctr"/>
+            <a:lstStyle/>
+            <a:p>
+              <a:pPr algn="ctr"/>
+              <a:r>
+                <a:rPr lang="en-US" b="1" dirty="0" smtClean="0"/>
+                <a:t>S</a:t>
+              </a:r>
+              <a:endParaRPr lang="en-US" b="1" dirty="0"/>
+            </a:p>
+          </p:txBody>
+        </p:sp>
+        <p:sp>
+          <p:nvSpPr>
+            <p:cNvPr id="21" name="Rectangle 20"/>
+            <p:cNvSpPr/>
+            <p:nvPr/>
+          </p:nvSpPr>
+          <p:spPr>
+            <a:xfrm>
+              <a:off x="6072198" y="3357562"/>
+              <a:ext cx="571504" cy="357190"/>
+            </a:xfrm>
+            <a:prstGeom prst="rect">
+              <a:avLst/>
+            </a:prstGeom>
+          </p:spPr>
+          <p:style>
+            <a:lnRef idx="1">
+              <a:schemeClr val="accent3"/>
+            </a:lnRef>
+            <a:fillRef idx="2">
+              <a:schemeClr val="accent3"/>
+            </a:fillRef>
+            <a:effectRef idx="1">
+              <a:schemeClr val="accent3"/>
+            </a:effectRef>
+            <a:fontRef idx="minor">
+              <a:schemeClr val="dk1"/>
+            </a:fontRef>
+          </p:style>
+          <p:txBody>
+            <a:bodyPr rtlCol="0" anchor="ctr"/>
+            <a:lstStyle/>
+            <a:p>
+              <a:pPr algn="ctr"/>
+              <a:r>
+                <a:rPr lang="en-US" b="1" dirty="0" smtClean="0"/>
+                <a:t>S</a:t>
+              </a:r>
+              <a:endParaRPr lang="en-US" b="1" dirty="0"/>
+            </a:p>
+          </p:txBody>
+        </p:sp>
+        <p:sp>
+          <p:nvSpPr>
+            <p:cNvPr id="22" name="Rectangle 21"/>
+            <p:cNvSpPr/>
+            <p:nvPr/>
+          </p:nvSpPr>
+          <p:spPr>
+            <a:xfrm>
+              <a:off x="4357686" y="4929198"/>
+              <a:ext cx="571504" cy="357190"/>
+            </a:xfrm>
+            <a:prstGeom prst="rect">
+              <a:avLst/>
+            </a:prstGeom>
+          </p:spPr>
+          <p:style>
+            <a:lnRef idx="1">
+              <a:schemeClr val="accent2"/>
+            </a:lnRef>
+            <a:fillRef idx="2">
+              <a:schemeClr val="accent2"/>
+            </a:fillRef>
+            <a:effectRef idx="1">
+              <a:schemeClr val="accent2"/>
+            </a:effectRef>
+            <a:fontRef idx="minor">
+              <a:schemeClr val="dk1"/>
+            </a:fontRef>
+          </p:style>
+          <p:txBody>
+            <a:bodyPr rtlCol="0" anchor="ctr"/>
+            <a:lstStyle/>
+            <a:p>
+              <a:pPr algn="ctr"/>
+              <a:r>
+                <a:rPr lang="en-US" b="1" dirty="0" smtClean="0"/>
+                <a:t>F</a:t>
+              </a:r>
+              <a:endParaRPr lang="en-US" b="1" dirty="0"/>
+            </a:p>
+          </p:txBody>
+        </p:sp>
+        <p:sp>
+          <p:nvSpPr>
+            <p:cNvPr id="23" name="Rectangle 22"/>
+            <p:cNvSpPr/>
+            <p:nvPr/>
+          </p:nvSpPr>
+          <p:spPr>
+            <a:xfrm>
+              <a:off x="2357422" y="4929198"/>
+              <a:ext cx="571504" cy="357190"/>
+            </a:xfrm>
+            <a:prstGeom prst="rect">
+              <a:avLst/>
+            </a:prstGeom>
+          </p:spPr>
+          <p:style>
+            <a:lnRef idx="1">
+              <a:schemeClr val="accent2"/>
+            </a:lnRef>
+            <a:fillRef idx="2">
+              <a:schemeClr val="accent2"/>
+            </a:fillRef>
+            <a:effectRef idx="1">
+              <a:schemeClr val="accent2"/>
+            </a:effectRef>
+            <a:fontRef idx="minor">
+              <a:schemeClr val="dk1"/>
+            </a:fontRef>
+          </p:style>
+          <p:txBody>
+            <a:bodyPr rtlCol="0" anchor="ctr"/>
+            <a:lstStyle/>
+            <a:p>
+              <a:pPr algn="ctr"/>
+              <a:r>
+                <a:rPr lang="en-US" b="1" dirty="0" smtClean="0"/>
+                <a:t>F</a:t>
+              </a:r>
+              <a:endParaRPr lang="en-US" b="1" dirty="0"/>
+            </a:p>
+          </p:txBody>
+        </p:sp>
+        <p:cxnSp>
+          <p:nvCxnSpPr>
+            <p:cNvPr id="25" name="Elbow Connector 24"/>
+            <p:cNvCxnSpPr>
+              <a:stCxn id="7" idx="4"/>
+              <a:endCxn id="6" idx="5"/>
+            </p:cNvCxnSpPr>
+            <p:nvPr/>
+          </p:nvCxnSpPr>
+          <p:spPr>
+            <a:xfrm rot="5400000" flipH="1">
+              <a:off x="4547487" y="3647375"/>
+              <a:ext cx="167390" cy="1548525"/>
+            </a:xfrm>
+            <a:prstGeom prst="bentConnector3">
+              <a:avLst>
+                <a:gd name="adj1" fmla="val -136567"/>
+              </a:avLst>
+            </a:prstGeom>
+            <a:ln>
+              <a:tailEnd type="arrow"/>
+            </a:ln>
+          </p:spPr>
+          <p:style>
+            <a:lnRef idx="2">
+              <a:schemeClr val="dk1"/>
+            </a:lnRef>
+            <a:fillRef idx="0">
+              <a:schemeClr val="dk1"/>
+            </a:fillRef>
+            <a:effectRef idx="1">
+              <a:schemeClr val="dk1"/>
+            </a:effectRef>
+            <a:fontRef idx="minor">
+              <a:schemeClr val="tx1"/>
+            </a:fontRef>
+          </p:style>
+        </p:cxnSp>
+        <p:cxnSp>
+          <p:nvCxnSpPr>
+            <p:cNvPr id="26" name="Elbow Connector 25"/>
+            <p:cNvCxnSpPr>
+              <a:stCxn id="6" idx="4"/>
+              <a:endCxn id="5" idx="5"/>
+            </p:cNvCxnSpPr>
+            <p:nvPr/>
+          </p:nvCxnSpPr>
+          <p:spPr>
+            <a:xfrm rot="5400000" flipH="1">
+              <a:off x="2594848" y="3647375"/>
+              <a:ext cx="167390" cy="1548525"/>
+            </a:xfrm>
+            <a:prstGeom prst="bentConnector3">
+              <a:avLst>
+                <a:gd name="adj1" fmla="val -136567"/>
+              </a:avLst>
+            </a:prstGeom>
+            <a:ln>
+              <a:tailEnd type="arrow"/>
+            </a:ln>
+          </p:spPr>
+          <p:style>
+            <a:lnRef idx="2">
+              <a:schemeClr val="dk1"/>
+            </a:lnRef>
+            <a:fillRef idx="0">
+              <a:schemeClr val="dk1"/>
+            </a:fillRef>
+            <a:effectRef idx="1">
+              <a:schemeClr val="dk1"/>
+            </a:effectRef>
+            <a:fontRef idx="minor">
+              <a:schemeClr val="tx1"/>
+            </a:fontRef>
+          </p:style>
+        </p:cxnSp>
+      </p:grpSp>
+    </p:spTree>
+  </p:cSld>
+  <p:clrMapOvr>
+    <a:masterClrMapping/>
+  </p:clrMapOvr>
+</p:sld>
+</file>
+
+<file path=ppt/slides/slide8.xml><?xml version="1.0" encoding="utf-8"?>
+<p:sld xmlns:a="http://schemas.openxmlformats.org/drawingml/2006/main" xmlns:r="http://schemas.openxmlformats.org/officeDocument/2006/relationships" xmlns:p="http://schemas.openxmlformats.org/presentationml/2006/main">
+  <p:cSld>
+    <p:spTree>
+      <p:nvGrpSpPr>
+        <p:cNvPr id="1" name=""/>
+        <p:cNvGrpSpPr/>
+        <p:nvPr/>
+      </p:nvGrpSpPr>
+      <p:grpSpPr>
+        <a:xfrm>
+          <a:off x="0" y="0"/>
+          <a:ext cx="0" cy="0"/>
+          <a:chOff x="0" y="0"/>
+          <a:chExt cx="0" cy="0"/>
+        </a:xfrm>
+      </p:grpSpPr>
+      <p:sp>
+        <p:nvSpPr>
+          <p:cNvPr id="2" name="Title 1"/>
+          <p:cNvSpPr>
+            <a:spLocks noGrp="1"/>
+          </p:cNvSpPr>
+          <p:nvPr>
+            <p:ph type="title"/>
+          </p:nvPr>
+        </p:nvSpPr>
+        <p:spPr/>
+        <p:txBody>
+          <a:bodyPr/>
+          <a:lstStyle/>
+          <a:p>
+            <a:r>
+              <a:rPr lang="en-IN" dirty="0" smtClean="0"/>
+              <a:t>Sate of a calculator</a:t>
+            </a:r>
+            <a:endParaRPr lang="en-US" dirty="0"/>
+          </a:p>
+        </p:txBody>
+      </p:sp>
+      <p:pic>
+        <p:nvPicPr>
+          <p:cNvPr id="2050" name="Picture 2" descr="https://lh6.googleusercontent.com/gxXuJbT6x0rUQmMq56m7BAC7rX_LIUoM_c6Q2wIsQb5ADSRaruJIjKZhAWBEENpah1VNlpXiwROnY5YKa8fHvy4PrqEUA7OF29lDjyph_qTGkoBCsvsJSqobx28okMh9usOrsWbrJD0"/>
+          <p:cNvPicPr>
+            <a:picLocks noChangeAspect="1" noChangeArrowheads="1"/>
+          </p:cNvPicPr>
+          <p:nvPr/>
+        </p:nvPicPr>
+        <p:blipFill>
+          <a:blip r:embed="rId2"/>
+          <a:srcRect/>
+          <a:stretch>
+            <a:fillRect/>
+          </a:stretch>
+        </p:blipFill>
+        <p:spPr bwMode="auto">
+          <a:xfrm>
+            <a:off x="1428728" y="1643050"/>
+            <a:ext cx="6105525" cy="4572000"/>
+          </a:xfrm>
+          <a:prstGeom prst="rect">
+            <a:avLst/>
+          </a:prstGeom>
+          <a:noFill/>
+        </p:spPr>
+      </p:pic>
+    </p:spTree>
+  </p:cSld>
+  <p:clrMapOvr>
+    <a:masterClrMapping/>
+  </p:clrMapOvr>
+</p:sld>
+</file>
+
+<file path=ppt/slides/slide9.xml><?xml version="1.0" encoding="utf-8"?>
+<p:sld xmlns:a="http://schemas.openxmlformats.org/drawingml/2006/main" xmlns:r="http://schemas.openxmlformats.org/officeDocument/2006/relationships" xmlns:p="http://schemas.openxmlformats.org/presentationml/2006/main">
+  <p:cSld>
+    <p:spTree>
+      <p:nvGrpSpPr>
+        <p:cNvPr id="1" name=""/>
+        <p:cNvGrpSpPr/>
+        <p:nvPr/>
+      </p:nvGrpSpPr>
+      <p:grpSpPr>
+        <a:xfrm>
+          <a:off x="0" y="0"/>
+          <a:ext cx="0" cy="0"/>
+          <a:chOff x="0" y="0"/>
+          <a:chExt cx="0" cy="0"/>
+        </a:xfrm>
+      </p:grpSpPr>
+      <p:sp>
+        <p:nvSpPr>
+          <p:cNvPr id="2" name="Title 1"/>
+          <p:cNvSpPr>
+            <a:spLocks noGrp="1"/>
+          </p:cNvSpPr>
+          <p:nvPr>
+            <p:ph type="title"/>
+          </p:nvPr>
+        </p:nvSpPr>
+        <p:spPr/>
+        <p:txBody>
+          <a:bodyPr/>
+          <a:lstStyle/>
+          <a:p>
+            <a:r>
+              <a:rPr lang="en-IN" dirty="0" smtClean="0"/>
+              <a:t>Conditionals</a:t>
+            </a:r>
+            <a:endParaRPr lang="en-US" dirty="0"/>
+          </a:p>
+        </p:txBody>
+      </p:sp>
+      <p:sp>
+        <p:nvSpPr>
+          <p:cNvPr id="3" name="Content Placeholder 2"/>
+          <p:cNvSpPr>
+            <a:spLocks noGrp="1"/>
+          </p:cNvSpPr>
+          <p:nvPr>
+            <p:ph idx="1"/>
+          </p:nvPr>
+        </p:nvSpPr>
+        <p:spPr/>
+        <p:txBody>
+          <a:bodyPr/>
+          <a:lstStyle/>
+          <a:p>
+            <a:r>
+              <a:rPr lang="en-IN" dirty="0" smtClean="0"/>
+              <a:t>It is a statement that used to make decisions.</a:t>
+            </a:r>
+          </a:p>
+          <a:p>
+            <a:r>
+              <a:rPr lang="en-IN" dirty="0" smtClean="0"/>
+              <a:t>Conditional execution contains if-else statement and condition that gives true or false while evaluating.</a:t>
+            </a:r>
+          </a:p>
+          <a:p>
+            <a:r>
+              <a:rPr lang="en-IN" dirty="0" smtClean="0"/>
+              <a:t>Based on the condition a particular branch of statement will be executed.</a:t>
+            </a:r>
+            <a:endParaRPr lang="en-US" dirty="0"/>
+          </a:p>
+        </p:txBody>
+      </p:sp>
+    </p:spTree>
+  </p:cSld>
+  <p:clrMapOvr>
+    <a:masterClrMapping/>
+  </p:clrMapOvr>
 </p:sld>
 </file>
 
